--- a/기획/이터널 리턴/이터널 리턴 역기획서.pptx
+++ b/기획/이터널 리턴/이터널 리턴 역기획서.pptx
@@ -19744,7 +19744,7 @@
           <p:nvPr>
             <p:extLst>
               <p:ext uri="{D42A27DB-BD31-4B8C-83A1-F6EECF244321}">
-                <p14:modId xmlns:p14="http://schemas.microsoft.com/office/powerpoint/2010/main" val="2224239987"/>
+                <p14:modId xmlns:p14="http://schemas.microsoft.com/office/powerpoint/2010/main" val="1852037249"/>
               </p:ext>
             </p:extLst>
           </p:nvPr>
@@ -20497,7 +20497,7 @@
                           <a:latin typeface="맑은 고딕" charset="0"/>
                           <a:ea typeface="맑은 고딕" charset="0"/>
                         </a:rPr>
-                        <a:t>서처컬처에</a:t>
+                        <a:t>서브컬처에</a:t>
                       </a:r>
                       <a:r>
                         <a:rPr lang="ko-KR" altLang="en-US" sz="1400" b="0" i="0" kern="1200" dirty="0">
